--- a/slides.pptx
+++ b/slides.pptx
@@ -219,7 +219,7 @@
             <a:fld id="{A7E2177B-B215-4B36-9753-6B9E67D1BF33}" type="datetimeFigureOut">
               <a:rPr lang="en-US" smtClean="0"/>
               <a:pPr/>
-              <a:t>12/9/2019</a:t>
+              <a:t>1/25/2020</a:t>
             </a:fld>
             <a:endParaRPr lang="en-US"/>
           </a:p>
@@ -877,7 +877,7 @@
             <a:fld id="{CDC19AF6-F67D-498D-A04F-B22ACA3FD757}" type="datetimeFigureOut">
               <a:rPr lang="en-US" smtClean="0"/>
               <a:pPr/>
-              <a:t>12/9/2019</a:t>
+              <a:t>1/25/2020</a:t>
             </a:fld>
             <a:endParaRPr lang="en-US"/>
           </a:p>
@@ -929,7 +929,7 @@
     </p:spTree>
     <p:extLst>
       <p:ext uri="{BB962C8B-B14F-4D97-AF65-F5344CB8AC3E}">
-        <p14:creationId xmlns="" xmlns:p14="http://schemas.microsoft.com/office/powerpoint/2010/main" val="3253875174"/>
+        <p14:creationId xmlns:p14="http://schemas.microsoft.com/office/powerpoint/2010/main" xmlns="" val="3253875174"/>
       </p:ext>
     </p:extLst>
   </p:cSld>
@@ -1136,7 +1136,7 @@
             <a:fld id="{CDC19AF6-F67D-498D-A04F-B22ACA3FD757}" type="datetimeFigureOut">
               <a:rPr lang="en-US" smtClean="0"/>
               <a:pPr/>
-              <a:t>12/9/2019</a:t>
+              <a:t>1/25/2020</a:t>
             </a:fld>
             <a:endParaRPr lang="en-US"/>
           </a:p>
@@ -1188,7 +1188,7 @@
     </p:spTree>
     <p:extLst>
       <p:ext uri="{BB962C8B-B14F-4D97-AF65-F5344CB8AC3E}">
-        <p14:creationId xmlns="" xmlns:p14="http://schemas.microsoft.com/office/powerpoint/2010/main" val="477607843"/>
+        <p14:creationId xmlns:p14="http://schemas.microsoft.com/office/powerpoint/2010/main" xmlns="" val="477607843"/>
       </p:ext>
     </p:extLst>
   </p:cSld>
@@ -1308,7 +1308,7 @@
             <a:fld id="{CDC19AF6-F67D-498D-A04F-B22ACA3FD757}" type="datetimeFigureOut">
               <a:rPr lang="en-US" smtClean="0"/>
               <a:pPr/>
-              <a:t>12/9/2019</a:t>
+              <a:t>1/25/2020</a:t>
             </a:fld>
             <a:endParaRPr lang="en-US"/>
           </a:p>
@@ -1360,7 +1360,7 @@
     </p:spTree>
     <p:extLst>
       <p:ext uri="{BB962C8B-B14F-4D97-AF65-F5344CB8AC3E}">
-        <p14:creationId xmlns="" xmlns:p14="http://schemas.microsoft.com/office/powerpoint/2010/main" val="3428665726"/>
+        <p14:creationId xmlns:p14="http://schemas.microsoft.com/office/powerpoint/2010/main" xmlns="" val="3428665726"/>
       </p:ext>
     </p:extLst>
   </p:cSld>
@@ -1490,7 +1490,7 @@
             <a:fld id="{CDC19AF6-F67D-498D-A04F-B22ACA3FD757}" type="datetimeFigureOut">
               <a:rPr lang="en-US" smtClean="0"/>
               <a:pPr/>
-              <a:t>12/9/2019</a:t>
+              <a:t>1/25/2020</a:t>
             </a:fld>
             <a:endParaRPr lang="en-US"/>
           </a:p>
@@ -1544,7 +1544,7 @@
           <p:cNvPr id="7" name="Picture 6" descr="E:\websites\free-power-point-templates\2012\logos.png">
             <a:extLst>
               <a:ext uri="{FF2B5EF4-FFF2-40B4-BE49-F238E27FC236}">
-                <a16:creationId xmlns="" xmlns:a16="http://schemas.microsoft.com/office/drawing/2014/main" id="{08B89D22-1D6E-450B-881F-4D2A4C527F72}"/>
+                <a16:creationId xmlns:a16="http://schemas.microsoft.com/office/drawing/2014/main" xmlns="" id="{08B89D22-1D6E-450B-881F-4D2A4C527F72}"/>
               </a:ext>
             </a:extLst>
           </p:cNvPr>
@@ -1557,7 +1557,7 @@
           <a:blip r:embed="rId2">
             <a:extLst>
               <a:ext uri="{28A0092B-C50C-407E-A947-70E740481C1C}">
-                <a14:useLocalDpi xmlns="" xmlns:a14="http://schemas.microsoft.com/office/drawing/2010/main" val="0"/>
+                <a14:useLocalDpi xmlns:a14="http://schemas.microsoft.com/office/drawing/2010/main" xmlns="" val="0"/>
               </a:ext>
             </a:extLst>
           </a:blip>
@@ -1579,7 +1579,7 @@
           </a:ln>
           <a:extLst>
             <a:ext uri="{909E8E84-426E-40DD-AFC4-6F175D3DCCD1}">
-              <a14:hiddenFill xmlns="" xmlns:a14="http://schemas.microsoft.com/office/drawing/2010/main">
+              <a14:hiddenFill xmlns:a14="http://schemas.microsoft.com/office/drawing/2010/main" xmlns="">
                 <a:solidFill>
                   <a:srgbClr val="FFFFFF"/>
                 </a:solidFill>
@@ -1591,7 +1591,7 @@
     </p:spTree>
     <p:extLst>
       <p:ext uri="{BB962C8B-B14F-4D97-AF65-F5344CB8AC3E}">
-        <p14:creationId xmlns="" xmlns:p14="http://schemas.microsoft.com/office/powerpoint/2010/main" val="893609949"/>
+        <p14:creationId xmlns:p14="http://schemas.microsoft.com/office/powerpoint/2010/main" xmlns="" val="893609949"/>
       </p:ext>
     </p:extLst>
   </p:cSld>
@@ -1774,7 +1774,7 @@
             <a:fld id="{CDC19AF6-F67D-498D-A04F-B22ACA3FD757}" type="datetimeFigureOut">
               <a:rPr lang="en-US" smtClean="0"/>
               <a:pPr/>
-              <a:t>12/9/2019</a:t>
+              <a:t>1/25/2020</a:t>
             </a:fld>
             <a:endParaRPr lang="en-US"/>
           </a:p>
@@ -1826,7 +1826,7 @@
     </p:spTree>
     <p:extLst>
       <p:ext uri="{BB962C8B-B14F-4D97-AF65-F5344CB8AC3E}">
-        <p14:creationId xmlns="" xmlns:p14="http://schemas.microsoft.com/office/powerpoint/2010/main" val="1664471362"/>
+        <p14:creationId xmlns:p14="http://schemas.microsoft.com/office/powerpoint/2010/main" xmlns="" val="1664471362"/>
       </p:ext>
     </p:extLst>
   </p:cSld>
@@ -2023,7 +2023,7 @@
             <a:fld id="{CDC19AF6-F67D-498D-A04F-B22ACA3FD757}" type="datetimeFigureOut">
               <a:rPr lang="en-US" smtClean="0"/>
               <a:pPr/>
-              <a:t>12/9/2019</a:t>
+              <a:t>1/25/2020</a:t>
             </a:fld>
             <a:endParaRPr lang="en-US"/>
           </a:p>
@@ -2075,7 +2075,7 @@
     </p:spTree>
     <p:extLst>
       <p:ext uri="{BB962C8B-B14F-4D97-AF65-F5344CB8AC3E}">
-        <p14:creationId xmlns="" xmlns:p14="http://schemas.microsoft.com/office/powerpoint/2010/main" val="1629391393"/>
+        <p14:creationId xmlns:p14="http://schemas.microsoft.com/office/powerpoint/2010/main" xmlns="" val="1629391393"/>
       </p:ext>
     </p:extLst>
   </p:cSld>
@@ -2271,7 +2271,7 @@
             <a:fld id="{CDC19AF6-F67D-498D-A04F-B22ACA3FD757}" type="datetimeFigureOut">
               <a:rPr lang="en-US" smtClean="0"/>
               <a:pPr/>
-              <a:t>12/9/2019</a:t>
+              <a:t>1/25/2020</a:t>
             </a:fld>
             <a:endParaRPr lang="en-US"/>
           </a:p>
@@ -2323,7 +2323,7 @@
     </p:spTree>
     <p:extLst>
       <p:ext uri="{BB962C8B-B14F-4D97-AF65-F5344CB8AC3E}">
-        <p14:creationId xmlns="" xmlns:p14="http://schemas.microsoft.com/office/powerpoint/2010/main" val="3863441575"/>
+        <p14:creationId xmlns:p14="http://schemas.microsoft.com/office/powerpoint/2010/main" xmlns="" val="3863441575"/>
       </p:ext>
     </p:extLst>
   </p:cSld>
@@ -2561,7 +2561,7 @@
             <a:fld id="{CDC19AF6-F67D-498D-A04F-B22ACA3FD757}" type="datetimeFigureOut">
               <a:rPr lang="en-US" smtClean="0"/>
               <a:pPr/>
-              <a:t>12/9/2019</a:t>
+              <a:t>1/25/2020</a:t>
             </a:fld>
             <a:endParaRPr lang="en-US"/>
           </a:p>
@@ -2613,7 +2613,7 @@
     </p:spTree>
     <p:extLst>
       <p:ext uri="{BB962C8B-B14F-4D97-AF65-F5344CB8AC3E}">
-        <p14:creationId xmlns="" xmlns:p14="http://schemas.microsoft.com/office/powerpoint/2010/main" val="3556791830"/>
+        <p14:creationId xmlns:p14="http://schemas.microsoft.com/office/powerpoint/2010/main" xmlns="" val="3556791830"/>
       </p:ext>
     </p:extLst>
   </p:cSld>
@@ -3051,7 +3051,7 @@
             <a:fld id="{CDC19AF6-F67D-498D-A04F-B22ACA3FD757}" type="datetimeFigureOut">
               <a:rPr lang="en-US" smtClean="0"/>
               <a:pPr/>
-              <a:t>12/9/2019</a:t>
+              <a:t>1/25/2020</a:t>
             </a:fld>
             <a:endParaRPr lang="en-US"/>
           </a:p>
@@ -3103,7 +3103,7 @@
     </p:spTree>
     <p:extLst>
       <p:ext uri="{BB962C8B-B14F-4D97-AF65-F5344CB8AC3E}">
-        <p14:creationId xmlns="" xmlns:p14="http://schemas.microsoft.com/office/powerpoint/2010/main" val="4122911988"/>
+        <p14:creationId xmlns:p14="http://schemas.microsoft.com/office/powerpoint/2010/main" xmlns="" val="4122911988"/>
       </p:ext>
     </p:extLst>
   </p:cSld>
@@ -3171,7 +3171,7 @@
             <a:fld id="{CDC19AF6-F67D-498D-A04F-B22ACA3FD757}" type="datetimeFigureOut">
               <a:rPr lang="en-US" smtClean="0"/>
               <a:pPr/>
-              <a:t>12/9/2019</a:t>
+              <a:t>1/25/2020</a:t>
             </a:fld>
             <a:endParaRPr lang="en-US"/>
           </a:p>
@@ -3223,7 +3223,7 @@
     </p:spTree>
     <p:extLst>
       <p:ext uri="{BB962C8B-B14F-4D97-AF65-F5344CB8AC3E}">
-        <p14:creationId xmlns="" xmlns:p14="http://schemas.microsoft.com/office/powerpoint/2010/main" val="3029773110"/>
+        <p14:creationId xmlns:p14="http://schemas.microsoft.com/office/powerpoint/2010/main" xmlns="" val="3029773110"/>
       </p:ext>
     </p:extLst>
   </p:cSld>
@@ -3268,7 +3268,7 @@
             <a:fld id="{CDC19AF6-F67D-498D-A04F-B22ACA3FD757}" type="datetimeFigureOut">
               <a:rPr lang="en-US" smtClean="0"/>
               <a:pPr/>
-              <a:t>12/9/2019</a:t>
+              <a:t>1/25/2020</a:t>
             </a:fld>
             <a:endParaRPr lang="en-US"/>
           </a:p>
@@ -3320,7 +3320,7 @@
     </p:spTree>
     <p:extLst>
       <p:ext uri="{BB962C8B-B14F-4D97-AF65-F5344CB8AC3E}">
-        <p14:creationId xmlns="" xmlns:p14="http://schemas.microsoft.com/office/powerpoint/2010/main" val="4251864075"/>
+        <p14:creationId xmlns:p14="http://schemas.microsoft.com/office/powerpoint/2010/main" xmlns="" val="4251864075"/>
       </p:ext>
     </p:extLst>
   </p:cSld>
@@ -3547,7 +3547,7 @@
             <a:fld id="{CDC19AF6-F67D-498D-A04F-B22ACA3FD757}" type="datetimeFigureOut">
               <a:rPr lang="en-US" smtClean="0"/>
               <a:pPr/>
-              <a:t>12/9/2019</a:t>
+              <a:t>1/25/2020</a:t>
             </a:fld>
             <a:endParaRPr lang="en-US"/>
           </a:p>
@@ -3599,7 +3599,7 @@
     </p:spTree>
     <p:extLst>
       <p:ext uri="{BB962C8B-B14F-4D97-AF65-F5344CB8AC3E}">
-        <p14:creationId xmlns="" xmlns:p14="http://schemas.microsoft.com/office/powerpoint/2010/main" val="3174452648"/>
+        <p14:creationId xmlns:p14="http://schemas.microsoft.com/office/powerpoint/2010/main" xmlns="" val="3174452648"/>
       </p:ext>
     </p:extLst>
   </p:cSld>
@@ -3771,7 +3771,7 @@
             <a:fld id="{CDC19AF6-F67D-498D-A04F-B22ACA3FD757}" type="datetimeFigureOut">
               <a:rPr lang="en-US" smtClean="0"/>
               <a:pPr/>
-              <a:t>12/9/2019</a:t>
+              <a:t>1/25/2020</a:t>
             </a:fld>
             <a:endParaRPr lang="en-US"/>
           </a:p>
@@ -3861,7 +3861,7 @@
           <p:cNvPr id="7" name="TextBox 6">
             <a:extLst>
               <a:ext uri="{FF2B5EF4-FFF2-40B4-BE49-F238E27FC236}">
-                <a16:creationId xmlns="" xmlns:a16="http://schemas.microsoft.com/office/drawing/2014/main" id="{11E867DF-3DCA-4725-94F0-F2B6BD747A82}"/>
+                <a16:creationId xmlns:a16="http://schemas.microsoft.com/office/drawing/2014/main" xmlns="" id="{11E867DF-3DCA-4725-94F0-F2B6BD747A82}"/>
               </a:ext>
             </a:extLst>
           </p:cNvPr>
@@ -3912,7 +3912,7 @@
     </p:spTree>
     <p:extLst>
       <p:ext uri="{BB962C8B-B14F-4D97-AF65-F5344CB8AC3E}">
-        <p14:creationId xmlns="" xmlns:p14="http://schemas.microsoft.com/office/powerpoint/2010/main" val="1944039382"/>
+        <p14:creationId xmlns:p14="http://schemas.microsoft.com/office/powerpoint/2010/main" xmlns="" val="1944039382"/>
       </p:ext>
     </p:extLst>
   </p:cSld>
@@ -4492,7 +4492,7 @@
     </p:spTree>
     <p:extLst>
       <p:ext uri="{BB962C8B-B14F-4D97-AF65-F5344CB8AC3E}">
-        <p14:creationId xmlns:p14="http://schemas.microsoft.com/office/powerpoint/2010/main" xmlns="" val="363920370"/>
+        <p14:creationId xmlns="" xmlns:p14="http://schemas.microsoft.com/office/powerpoint/2010/main" val="363920370"/>
       </p:ext>
     </p:extLst>
   </p:cSld>
@@ -6124,23 +6124,7 @@
             </a:pPr>
             <a:r>
               <a:rPr lang="en-US" dirty="0" smtClean="0"/>
-              <a:t>Admin can upload </a:t>
-            </a:r>
-            <a:r>
-              <a:rPr lang="en-US" dirty="0" smtClean="0"/>
-              <a:t>audios</a:t>
-            </a:r>
-            <a:r>
-              <a:rPr lang="en-US" dirty="0" smtClean="0"/>
-              <a:t> and</a:t>
-            </a:r>
-            <a:r>
-              <a:rPr lang="en-US" dirty="0" smtClean="0"/>
-              <a:t> pictures </a:t>
-            </a:r>
-            <a:r>
-              <a:rPr lang="en-US" dirty="0" smtClean="0"/>
-              <a:t>of rooms in database(</a:t>
+              <a:t>Admin can upload audios and pictures of rooms in database(</a:t>
             </a:r>
             <a:r>
               <a:rPr lang="en-US" dirty="0" err="1" smtClean="0"/>
@@ -6170,7 +6154,6 @@
               <a:rPr lang="en-US" dirty="0" smtClean="0"/>
               <a:t>Data updating and deleting(In process)</a:t>
             </a:r>
-            <a:endParaRPr lang="en-US" dirty="0" smtClean="0"/>
           </a:p>
           <a:p>
             <a:pPr>
@@ -6262,11 +6245,7 @@
           <a:p>
             <a:r>
               <a:rPr lang="en-US" sz="3200" dirty="0" smtClean="0"/>
-              <a:t>Collect </a:t>
-            </a:r>
-            <a:r>
-              <a:rPr lang="en-US" sz="3200" dirty="0" smtClean="0"/>
-              <a:t>25 samples of 2 BLE beacons</a:t>
+              <a:t>Collect 25 samples of 2 BLE beacons</a:t>
             </a:r>
           </a:p>
           <a:p>
@@ -6328,21 +6307,7 @@
                 <a:latin typeface="Times New Roman" pitchFamily="18" charset="0"/>
                 <a:cs typeface="Times New Roman" pitchFamily="18" charset="0"/>
               </a:rPr>
-              <a:t> </a:t>
-            </a:r>
-            <a:r>
-              <a:rPr lang="en-US" dirty="0" smtClean="0">
-                <a:latin typeface="Times New Roman" pitchFamily="18" charset="0"/>
-                <a:cs typeface="Times New Roman" pitchFamily="18" charset="0"/>
-              </a:rPr>
-              <a:t>    </a:t>
-            </a:r>
-            <a:r>
-              <a:rPr lang="en-US" dirty="0" smtClean="0">
-                <a:latin typeface="Times New Roman" pitchFamily="18" charset="0"/>
-                <a:cs typeface="Times New Roman" pitchFamily="18" charset="0"/>
-              </a:rPr>
-              <a:t>Samples</a:t>
+              <a:t>     Samples</a:t>
             </a:r>
             <a:endParaRPr lang="en-US" dirty="0">
               <a:latin typeface="Times New Roman" pitchFamily="18" charset="0"/>
@@ -6483,14 +6448,7 @@
                 <a:latin typeface="Times New Roman" pitchFamily="18" charset="0"/>
                 <a:cs typeface="Times New Roman" pitchFamily="18" charset="0"/>
               </a:rPr>
-              <a:t>P</a:t>
-            </a:r>
-            <a:r>
-              <a:rPr lang="en-US" dirty="0" smtClean="0">
-                <a:latin typeface="Times New Roman" pitchFamily="18" charset="0"/>
-                <a:cs typeface="Times New Roman" pitchFamily="18" charset="0"/>
-              </a:rPr>
-              <a:t>repare Dataset</a:t>
+              <a:t>Prepare Dataset</a:t>
             </a:r>
             <a:endParaRPr lang="en-US" dirty="0">
               <a:latin typeface="Times New Roman" pitchFamily="18" charset="0"/>
@@ -6535,11 +6493,7 @@
             </a:r>
             <a:r>
               <a:rPr lang="en-US" sz="3200" dirty="0" smtClean="0"/>
-              <a:t> </a:t>
-            </a:r>
-            <a:r>
-              <a:rPr lang="en-US" sz="3200" dirty="0" smtClean="0"/>
-              <a:t>files containing samples of different locations and time into one </a:t>
+              <a:t> files containing samples of different locations and time into one </a:t>
             </a:r>
             <a:r>
               <a:rPr lang="en-US" sz="3200" dirty="0" err="1" smtClean="0"/>
@@ -6547,11 +6501,7 @@
             </a:r>
             <a:r>
               <a:rPr lang="en-US" sz="3200" dirty="0" smtClean="0"/>
-              <a:t> </a:t>
-            </a:r>
-            <a:r>
-              <a:rPr lang="en-US" sz="3200" dirty="0" smtClean="0"/>
-              <a:t>file.</a:t>
+              <a:t> file.</a:t>
             </a:r>
           </a:p>
           <a:p>
@@ -6772,11 +6722,7 @@
           <a:p>
             <a:r>
               <a:rPr lang="en-US" dirty="0" smtClean="0"/>
-              <a:t>M</a:t>
-            </a:r>
-            <a:r>
-              <a:rPr lang="en-US" dirty="0" smtClean="0"/>
-              <a:t>odel training using python libraries in Anaconda by applying </a:t>
+              <a:t>Model training using python libraries in Anaconda by applying </a:t>
             </a:r>
             <a:r>
               <a:rPr lang="en-US" dirty="0" err="1" smtClean="0"/>
@@ -7017,7 +6963,7 @@
     </p:spTree>
     <p:extLst>
       <p:ext uri="{BB962C8B-B14F-4D97-AF65-F5344CB8AC3E}">
-        <p14:creationId xmlns:p14="http://schemas.microsoft.com/office/powerpoint/2010/main" xmlns="" val="363920370"/>
+        <p14:creationId xmlns="" xmlns:p14="http://schemas.microsoft.com/office/powerpoint/2010/main" val="363920370"/>
       </p:ext>
     </p:extLst>
   </p:cSld>
@@ -8100,7 +8046,12 @@
             <p:ph type="title"/>
           </p:nvPr>
         </p:nvSpPr>
-        <p:spPr/>
+        <p:spPr>
+          <a:xfrm>
+            <a:off x="2133600" y="762000"/>
+            <a:ext cx="6305833" cy="967132"/>
+          </a:xfrm>
+        </p:spPr>
         <p:txBody>
           <a:bodyPr/>
           <a:lstStyle/>
@@ -8129,7 +8080,12 @@
             <p:ph idx="1"/>
           </p:nvPr>
         </p:nvSpPr>
-        <p:spPr/>
+        <p:spPr>
+          <a:xfrm>
+            <a:off x="2403988" y="1798515"/>
+            <a:ext cx="6327059" cy="4681415"/>
+          </a:xfrm>
+        </p:spPr>
         <p:txBody>
           <a:bodyPr/>
           <a:lstStyle/>
@@ -8161,8 +8117,8 @@
         </p:blipFill>
         <p:spPr>
           <a:xfrm>
-            <a:off x="2057400" y="1752601"/>
-            <a:ext cx="7086600" cy="4572000"/>
+            <a:off x="2057400" y="1981201"/>
+            <a:ext cx="6781800" cy="4572000"/>
           </a:xfrm>
           <a:prstGeom prst="rect">
             <a:avLst/>
@@ -8233,15 +8189,7 @@
                   <a:schemeClr val="bg1"/>
                 </a:solidFill>
               </a:rPr>
-              <a:t>Dummy </a:t>
-            </a:r>
-            <a:r>
-              <a:rPr lang="en-US" dirty="0" smtClean="0">
-                <a:solidFill>
-                  <a:schemeClr val="bg1"/>
-                </a:solidFill>
-              </a:rPr>
-              <a:t>application</a:t>
+              <a:t>Dummy application</a:t>
             </a:r>
           </a:p>
           <a:p>
@@ -8325,21 +8273,8 @@
                   <a:schemeClr val="bg1"/>
                 </a:solidFill>
               </a:rPr>
-              <a:t>Prepare </a:t>
-            </a:r>
-            <a:r>
-              <a:rPr lang="en-US" dirty="0" smtClean="0">
-                <a:solidFill>
-                  <a:schemeClr val="bg1"/>
-                </a:solidFill>
-              </a:rPr>
-              <a:t>dataset on MATLAB</a:t>
-            </a:r>
-            <a:endParaRPr lang="en-US" dirty="0" smtClean="0">
-              <a:solidFill>
-                <a:schemeClr val="bg1"/>
-              </a:solidFill>
-            </a:endParaRPr>
+              <a:t>Prepare dataset on MATLAB</a:t>
+            </a:r>
           </a:p>
           <a:p>
             <a:pPr>
